--- a/material/feature/202509/文字.pptx
+++ b/material/feature/202509/文字.pptx
@@ -3069,7 +3069,7 @@
     <p:bg>
       <p:bgPr>
         <a:solidFill>
-          <a:schemeClr val="tx1"/>
+          <a:schemeClr val="bg1"/>
         </a:solidFill>
         <a:effectLst/>
       </p:bgPr>
@@ -3096,10 +3096,10 @@
         </p:nvGrpSpPr>
         <p:grpSpPr>
           <a:xfrm>
-            <a:off x="133985" y="429260"/>
-            <a:ext cx="5261610" cy="2536190"/>
-            <a:chOff x="1841" y="2487"/>
-            <a:chExt cx="8286" cy="3994"/>
+            <a:off x="133350" y="429260"/>
+            <a:ext cx="5262245" cy="2536190"/>
+            <a:chOff x="1840" y="2487"/>
+            <a:chExt cx="8287" cy="3994"/>
           </a:xfrm>
         </p:grpSpPr>
         <p:sp>
@@ -3110,8 +3110,8 @@
           </p:nvSpPr>
           <p:spPr>
             <a:xfrm>
-              <a:off x="3727" y="2487"/>
-              <a:ext cx="6400" cy="1016"/>
+              <a:off x="1840" y="2487"/>
+              <a:ext cx="8287" cy="1016"/>
             </a:xfrm>
             <a:prstGeom prst="rect">
               <a:avLst/>
@@ -3123,11 +3123,11 @@
               <a:spAutoFit/>
             </a:bodyPr>
             <a:p>
-              <a:pPr algn="r"/>
+              <a:pPr algn="l"/>
               <a:r>
                 <a:rPr lang="zh-CN" altLang="en-US" sz="3600" b="1">
                   <a:solidFill>
-                    <a:schemeClr val="bg1"/>
+                    <a:schemeClr val="tx1"/>
                   </a:solidFill>
                   <a:latin typeface="思源宋体 CN Heavy" panose="02020900000000000000" charset="-122"/>
                   <a:ea typeface="思源宋体 CN Heavy" panose="02020900000000000000" charset="-122"/>
@@ -3136,7 +3136,7 @@
               </a:r>
               <a:endParaRPr lang="zh-CN" altLang="en-US" sz="3600" b="1">
                 <a:solidFill>
-                  <a:schemeClr val="bg1"/>
+                  <a:schemeClr val="tx1"/>
                 </a:solidFill>
                 <a:latin typeface="思源宋体 CN Heavy" panose="02020900000000000000" charset="-122"/>
                 <a:ea typeface="思源宋体 CN Heavy" panose="02020900000000000000" charset="-122"/>
@@ -3160,7 +3160,7 @@
             </a:prstGeom>
             <a:ln w="38100">
               <a:solidFill>
-                <a:schemeClr val="bg1"/>
+                <a:schemeClr val="tx1"/>
               </a:solidFill>
             </a:ln>
           </p:spPr>
@@ -3187,7 +3187,7 @@
           </p:nvSpPr>
           <p:spPr>
             <a:xfrm>
-              <a:off x="2434" y="3720"/>
+              <a:off x="1841" y="3720"/>
               <a:ext cx="7653" cy="2761"/>
             </a:xfrm>
             <a:prstGeom prst="rect">
@@ -3200,11 +3200,11 @@
               <a:spAutoFit/>
             </a:bodyPr>
             <a:p>
-              <a:pPr algn="r"/>
+              <a:pPr algn="l"/>
               <a:r>
                 <a:rPr lang="zh-CN" altLang="en-US" sz="3600" b="1">
                   <a:solidFill>
-                    <a:schemeClr val="bg1"/>
+                    <a:schemeClr val="tx1"/>
                   </a:solidFill>
                   <a:latin typeface="思源黑体" panose="020B0500000000000000" charset="-122"/>
                   <a:ea typeface="思源黑体" panose="020B0500000000000000" charset="-122"/>
@@ -3214,7 +3214,7 @@
               </a:r>
               <a:endParaRPr lang="zh-CN" altLang="en-US" sz="3600" b="1">
                 <a:solidFill>
-                  <a:schemeClr val="bg1"/>
+                  <a:schemeClr val="tx1"/>
                 </a:solidFill>
                 <a:latin typeface="思源黑体" panose="020B0500000000000000" charset="-122"/>
                 <a:ea typeface="思源黑体" panose="020B0500000000000000" charset="-122"/>
@@ -3222,11 +3222,11 @@
               </a:endParaRPr>
             </a:p>
             <a:p>
-              <a:pPr algn="r"/>
+              <a:pPr algn="l"/>
               <a:r>
                 <a:rPr lang="en-US" altLang="zh-CN" sz="3600" b="1">
                   <a:solidFill>
-                    <a:schemeClr val="bg1"/>
+                    <a:schemeClr val="tx1"/>
                   </a:solidFill>
                   <a:latin typeface="思源黑体" panose="020B0500000000000000" charset="-122"/>
                   <a:ea typeface="思源黑体" panose="020B0500000000000000" charset="-122"/>
@@ -3237,7 +3237,7 @@
               <a:r>
                 <a:rPr lang="zh-CN" altLang="en-US" sz="3600" b="1">
                   <a:solidFill>
-                    <a:schemeClr val="bg1"/>
+                    <a:schemeClr val="tx1"/>
                   </a:solidFill>
                   <a:latin typeface="思源黑体" panose="020B0500000000000000" charset="-122"/>
                   <a:ea typeface="思源黑体" panose="020B0500000000000000" charset="-122"/>
@@ -3247,7 +3247,7 @@
               </a:r>
               <a:endParaRPr lang="zh-CN" altLang="en-US" sz="3600" b="1">
                 <a:solidFill>
-                  <a:schemeClr val="bg1"/>
+                  <a:schemeClr val="tx1"/>
                 </a:solidFill>
                 <a:latin typeface="思源黑体" panose="020B0500000000000000" charset="-122"/>
                 <a:ea typeface="思源黑体" panose="020B0500000000000000" charset="-122"/>
@@ -3255,10 +3255,10 @@
               </a:endParaRPr>
             </a:p>
             <a:p>
-              <a:pPr algn="r"/>
+              <a:pPr algn="l"/>
               <a:endParaRPr lang="zh-CN" altLang="en-US" sz="3600" b="1">
                 <a:solidFill>
-                  <a:schemeClr val="bg1"/>
+                  <a:schemeClr val="tx1"/>
                 </a:solidFill>
                 <a:latin typeface="思源黑体" panose="020B0500000000000000" charset="-122"/>
                 <a:ea typeface="思源黑体" panose="020B0500000000000000" charset="-122"/>
@@ -3276,10 +3276,10 @@
         </p:nvGrpSpPr>
         <p:grpSpPr>
           <a:xfrm rot="0">
-            <a:off x="367665" y="4283075"/>
-            <a:ext cx="8741410" cy="1844040"/>
-            <a:chOff x="579" y="6745"/>
-            <a:chExt cx="13766" cy="2904"/>
+            <a:off x="3343910" y="4283075"/>
+            <a:ext cx="5765165" cy="1844040"/>
+            <a:chOff x="5266" y="6745"/>
+            <a:chExt cx="9079" cy="2904"/>
           </a:xfrm>
         </p:grpSpPr>
         <p:sp>
@@ -3303,11 +3303,11 @@
               <a:spAutoFit/>
             </a:bodyPr>
             <a:p>
-              <a:pPr algn="r"/>
+              <a:pPr algn="l"/>
               <a:r>
                 <a:rPr lang="zh-CN" altLang="en-US" sz="2800" b="1">
                   <a:solidFill>
-                    <a:schemeClr val="bg1"/>
+                    <a:schemeClr val="tx1"/>
                   </a:solidFill>
                   <a:latin typeface="思源黑体" panose="020B0500000000000000" charset="-122"/>
                   <a:ea typeface="思源黑体" panose="020B0500000000000000" charset="-122"/>
@@ -3316,7 +3316,7 @@
               </a:r>
               <a:endParaRPr lang="zh-CN" altLang="en-US" sz="2800" b="1">
                 <a:solidFill>
-                  <a:schemeClr val="bg1"/>
+                  <a:schemeClr val="tx1"/>
                 </a:solidFill>
                 <a:latin typeface="思源黑体" panose="020B0500000000000000" charset="-122"/>
                 <a:ea typeface="思源黑体" panose="020B0500000000000000" charset="-122"/>
@@ -3345,20 +3345,20 @@
               <a:spAutoFit/>
             </a:bodyPr>
             <a:p>
-              <a:pPr algn="r"/>
+              <a:pPr algn="l"/>
               <a:r>
                 <a:rPr lang="zh-CN" altLang="en-US" sz="2800" b="1">
                   <a:solidFill>
-                    <a:schemeClr val="bg1"/>
+                    <a:schemeClr val="tx1"/>
                   </a:solidFill>
                   <a:latin typeface="思源黑体" panose="020B0500000000000000" charset="-122"/>
                   <a:ea typeface="思源黑体" panose="020B0500000000000000" charset="-122"/>
                 </a:rPr>
-                <a:t>虚空数据核心『寻回犬』</a:t>
+                <a:t>卸载实体找回模块『寻回犬』</a:t>
               </a:r>
               <a:endParaRPr lang="zh-CN" altLang="en-US" sz="2800" b="1">
                 <a:solidFill>
-                  <a:schemeClr val="bg1"/>
+                  <a:schemeClr val="tx1"/>
                 </a:solidFill>
                 <a:latin typeface="思源黑体" panose="020B0500000000000000" charset="-122"/>
                 <a:ea typeface="思源黑体" panose="020B0500000000000000" charset="-122"/>
@@ -3374,8 +3374,8 @@
           </p:nvSpPr>
           <p:spPr>
             <a:xfrm>
-              <a:off x="579" y="8827"/>
-              <a:ext cx="13766" cy="822"/>
+              <a:off x="5328" y="8827"/>
+              <a:ext cx="9017" cy="822"/>
             </a:xfrm>
             <a:prstGeom prst="rect">
               <a:avLst/>
@@ -3387,11 +3387,11 @@
               <a:spAutoFit/>
             </a:bodyPr>
             <a:p>
-              <a:pPr algn="r"/>
+              <a:pPr algn="l"/>
               <a:r>
                 <a:rPr lang="zh-CN" altLang="en-US" sz="2800" b="1">
                   <a:solidFill>
-                    <a:schemeClr val="bg1"/>
+                    <a:schemeClr val="tx1"/>
                   </a:solidFill>
                   <a:latin typeface="思源黑体" panose="020B0500000000000000" charset="-122"/>
                   <a:ea typeface="思源黑体" panose="020B0500000000000000" charset="-122"/>
@@ -3401,7 +3401,7 @@
               </a:r>
               <a:endParaRPr lang="zh-CN" altLang="en-US" sz="2800" b="1">
                 <a:solidFill>
-                  <a:schemeClr val="bg1"/>
+                  <a:schemeClr val="tx1"/>
                 </a:solidFill>
                 <a:latin typeface="思源黑体" panose="020B0500000000000000" charset="-122"/>
                 <a:ea typeface="思源黑体" panose="020B0500000000000000" charset="-122"/>
